--- a/slides/WSDM_Hard.pptx
+++ b/slides/WSDM_Hard.pptx
@@ -203,7 +203,7 @@
           <a:p>
             <a:fld id="{6977184D-24A8-7849-A93C-F6C4A28B9FEB}" type="datetimeFigureOut">
               <a:rPr lang="en-US" smtClean="0"/>
-              <a:t>10/19/2023</a:t>
+              <a:t>2/26/24</a:t>
             </a:fld>
             <a:endParaRPr lang="en-US"/>
           </a:p>
@@ -615,9 +615,9 @@
           <a:bodyPr/>
           <a:lstStyle/>
           <a:p>
-            <a:fld id="{D6F4839F-7DE1-B14A-88DF-1E87BC238DD3}" type="datetime1">
+            <a:fld id="{D34E8265-8A35-4748-B69F-3D7F6DE41A76}" type="datetime1">
               <a:rPr lang="en-US" smtClean="0"/>
-              <a:t>10/19/2023</a:t>
+              <a:t>2/26/24</a:t>
             </a:fld>
             <a:endParaRPr lang="en-US"/>
           </a:p>
@@ -646,7 +646,7 @@
           <a:p>
             <a:r>
               <a:rPr lang="en-US"/>
-              <a:t>https://github.com/kwchurch/CIKM_2023_tutorial</a:t>
+              <a:t>https://github.com/kwchurch/WSDM_2024_tutorial</a:t>
             </a:r>
           </a:p>
         </p:txBody>
@@ -816,9 +816,9 @@
           <a:bodyPr/>
           <a:lstStyle/>
           <a:p>
-            <a:fld id="{16599DE4-5D39-4348-9AAF-E8F68825BC5B}" type="datetime1">
+            <a:fld id="{DE59DC9A-AAE4-9A4B-A35C-9B9CCEADCB5E}" type="datetime1">
               <a:rPr lang="en-US" smtClean="0"/>
-              <a:t>10/19/2023</a:t>
+              <a:t>2/26/24</a:t>
             </a:fld>
             <a:endParaRPr lang="en-US"/>
           </a:p>
@@ -847,7 +847,7 @@
           <a:p>
             <a:r>
               <a:rPr lang="en-US"/>
-              <a:t>https://github.com/kwchurch/CIKM_2023_tutorial</a:t>
+              <a:t>https://github.com/kwchurch/WSDM_2024_tutorial</a:t>
             </a:r>
           </a:p>
         </p:txBody>
@@ -1027,9 +1027,9 @@
           <a:bodyPr/>
           <a:lstStyle/>
           <a:p>
-            <a:fld id="{E6D8F26C-F4A7-154D-A8F7-682C4194AF79}" type="datetime1">
+            <a:fld id="{D6A51A31-4E7B-5443-8BE8-8FC55A63063B}" type="datetime1">
               <a:rPr lang="en-US" smtClean="0"/>
-              <a:t>10/19/2023</a:t>
+              <a:t>2/26/24</a:t>
             </a:fld>
             <a:endParaRPr lang="en-US"/>
           </a:p>
@@ -1058,7 +1058,7 @@
           <a:p>
             <a:r>
               <a:rPr lang="en-US"/>
-              <a:t>https://github.com/kwchurch/CIKM_2023_tutorial</a:t>
+              <a:t>https://github.com/kwchurch/WSDM_2024_tutorial</a:t>
             </a:r>
           </a:p>
         </p:txBody>
@@ -1228,9 +1228,9 @@
           <a:bodyPr/>
           <a:lstStyle/>
           <a:p>
-            <a:fld id="{81C3BD8B-B388-0944-BF27-A69B2D089469}" type="datetime1">
+            <a:fld id="{AFAE84DB-689D-B241-B8BC-9B87BE6A8975}" type="datetime1">
               <a:rPr lang="en-US" smtClean="0"/>
-              <a:t>10/19/2023</a:t>
+              <a:t>2/26/24</a:t>
             </a:fld>
             <a:endParaRPr lang="en-US"/>
           </a:p>
@@ -1259,7 +1259,7 @@
           <a:p>
             <a:r>
               <a:rPr lang="en-US"/>
-              <a:t>https://github.com/kwchurch/CIKM_2023_tutorial</a:t>
+              <a:t>https://github.com/kwchurch/WSDM_2024_tutorial</a:t>
             </a:r>
           </a:p>
         </p:txBody>
@@ -1506,9 +1506,9 @@
           <a:bodyPr/>
           <a:lstStyle/>
           <a:p>
-            <a:fld id="{D60A6E5A-DC8A-C34B-9215-1F0D8E287035}" type="datetime1">
+            <a:fld id="{6A2AAE9C-67BD-7041-B5C0-1780DF5AC170}" type="datetime1">
               <a:rPr lang="en-US" smtClean="0"/>
-              <a:t>10/19/2023</a:t>
+              <a:t>2/26/24</a:t>
             </a:fld>
             <a:endParaRPr lang="en-US"/>
           </a:p>
@@ -1537,7 +1537,7 @@
           <a:p>
             <a:r>
               <a:rPr lang="en-US"/>
-              <a:t>https://github.com/kwchurch/CIKM_2023_tutorial</a:t>
+              <a:t>https://github.com/kwchurch/WSDM_2024_tutorial</a:t>
             </a:r>
           </a:p>
         </p:txBody>
@@ -1774,9 +1774,9 @@
           <a:bodyPr/>
           <a:lstStyle/>
           <a:p>
-            <a:fld id="{337A1C32-7323-A34F-B4A7-7D22756FAD70}" type="datetime1">
+            <a:fld id="{BD04BB15-4563-E84D-8F4C-05BF1CF098F2}" type="datetime1">
               <a:rPr lang="en-US" smtClean="0"/>
-              <a:t>10/19/2023</a:t>
+              <a:t>2/26/24</a:t>
             </a:fld>
             <a:endParaRPr lang="en-US"/>
           </a:p>
@@ -1805,7 +1805,7 @@
           <a:p>
             <a:r>
               <a:rPr lang="en-US"/>
-              <a:t>https://github.com/kwchurch/CIKM_2023_tutorial</a:t>
+              <a:t>https://github.com/kwchurch/WSDM_2024_tutorial</a:t>
             </a:r>
           </a:p>
         </p:txBody>
@@ -2189,9 +2189,9 @@
           <a:bodyPr/>
           <a:lstStyle/>
           <a:p>
-            <a:fld id="{CB6D7B08-82DE-664D-AB2B-C91FFE57ACF6}" type="datetime1">
+            <a:fld id="{1B95D99B-AEB7-6C48-9162-E87D305C3206}" type="datetime1">
               <a:rPr lang="en-US" smtClean="0"/>
-              <a:t>10/19/2023</a:t>
+              <a:t>2/26/24</a:t>
             </a:fld>
             <a:endParaRPr lang="en-US"/>
           </a:p>
@@ -2220,7 +2220,7 @@
           <a:p>
             <a:r>
               <a:rPr lang="en-US"/>
-              <a:t>https://github.com/kwchurch/CIKM_2023_tutorial</a:t>
+              <a:t>https://github.com/kwchurch/WSDM_2024_tutorial</a:t>
             </a:r>
           </a:p>
         </p:txBody>
@@ -2333,9 +2333,9 @@
           <a:bodyPr/>
           <a:lstStyle/>
           <a:p>
-            <a:fld id="{6C35521F-2369-6445-B181-E95C60B42026}" type="datetime1">
+            <a:fld id="{4B92B513-FD58-4845-8221-8321140A3B42}" type="datetime1">
               <a:rPr lang="en-US" smtClean="0"/>
-              <a:t>10/19/2023</a:t>
+              <a:t>2/26/24</a:t>
             </a:fld>
             <a:endParaRPr lang="en-US"/>
           </a:p>
@@ -2364,7 +2364,7 @@
           <a:p>
             <a:r>
               <a:rPr lang="en-US"/>
-              <a:t>https://github.com/kwchurch/CIKM_2023_tutorial</a:t>
+              <a:t>https://github.com/kwchurch/WSDM_2024_tutorial</a:t>
             </a:r>
           </a:p>
         </p:txBody>
@@ -2449,9 +2449,9 @@
           <a:bodyPr/>
           <a:lstStyle/>
           <a:p>
-            <a:fld id="{10625208-3CDA-CD4D-AEB9-8F0AF5A15F8D}" type="datetime1">
+            <a:fld id="{72C50E15-C817-BF45-9CCF-370084374132}" type="datetime1">
               <a:rPr lang="en-US" smtClean="0"/>
-              <a:t>10/19/2023</a:t>
+              <a:t>2/26/24</a:t>
             </a:fld>
             <a:endParaRPr lang="en-US"/>
           </a:p>
@@ -2480,7 +2480,7 @@
           <a:p>
             <a:r>
               <a:rPr lang="en-US"/>
-              <a:t>https://github.com/kwchurch/CIKM_2023_tutorial</a:t>
+              <a:t>https://github.com/kwchurch/WSDM_2024_tutorial</a:t>
             </a:r>
           </a:p>
         </p:txBody>
@@ -2763,9 +2763,9 @@
           <a:bodyPr/>
           <a:lstStyle/>
           <a:p>
-            <a:fld id="{3D573010-5F3C-7C41-BE77-B6CEE6160861}" type="datetime1">
+            <a:fld id="{B6BF3A3F-5D72-5C48-989F-E8E065901ECA}" type="datetime1">
               <a:rPr lang="en-US" smtClean="0"/>
-              <a:t>10/19/2023</a:t>
+              <a:t>2/26/24</a:t>
             </a:fld>
             <a:endParaRPr lang="en-US"/>
           </a:p>
@@ -2794,7 +2794,7 @@
           <a:p>
             <a:r>
               <a:rPr lang="en-US"/>
-              <a:t>https://github.com/kwchurch/CIKM_2023_tutorial</a:t>
+              <a:t>https://github.com/kwchurch/WSDM_2024_tutorial</a:t>
             </a:r>
           </a:p>
         </p:txBody>
@@ -3054,9 +3054,9 @@
           <a:bodyPr/>
           <a:lstStyle/>
           <a:p>
-            <a:fld id="{1CEBBBA8-CAA0-C749-9E2C-53E54900CA18}" type="datetime1">
+            <a:fld id="{9ACBEA13-EB6A-5E46-A903-FFA3844207B9}" type="datetime1">
               <a:rPr lang="en-US" smtClean="0"/>
-              <a:t>10/19/2023</a:t>
+              <a:t>2/26/24</a:t>
             </a:fld>
             <a:endParaRPr lang="en-US"/>
           </a:p>
@@ -3085,7 +3085,7 @@
           <a:p>
             <a:r>
               <a:rPr lang="en-US"/>
-              <a:t>https://github.com/kwchurch/CIKM_2023_tutorial</a:t>
+              <a:t>https://github.com/kwchurch/WSDM_2024_tutorial</a:t>
             </a:r>
           </a:p>
         </p:txBody>
@@ -3298,9 +3298,9 @@
             </a:lvl1pPr>
           </a:lstStyle>
           <a:p>
-            <a:fld id="{595B83D0-0A32-6A41-8077-327E0A5F0CB3}" type="datetime1">
+            <a:fld id="{B5B7FF52-01BA-524B-B64D-3083683A5055}" type="datetime1">
               <a:rPr lang="en-US" smtClean="0"/>
-              <a:t>10/19/2023</a:t>
+              <a:t>2/26/24</a:t>
             </a:fld>
             <a:endParaRPr lang="en-US"/>
           </a:p>
@@ -3347,7 +3347,7 @@
           <a:p>
             <a:r>
               <a:rPr lang="en-US"/>
-              <a:t>https://github.com/kwchurch/CIKM_2023_tutorial</a:t>
+              <a:t>https://github.com/kwchurch/WSDM_2024_tutorial</a:t>
             </a:r>
           </a:p>
         </p:txBody>
@@ -3797,7 +3797,7 @@
           <a:p>
             <a:r>
               <a:rPr lang="en-US"/>
-              <a:t>https://github.com/kwchurch/CIKM_2023_tutorial</a:t>
+              <a:t>https://github.com/kwchurch/WSDM_2024_tutorial</a:t>
             </a:r>
           </a:p>
         </p:txBody>
@@ -3932,7 +3932,7 @@
           <a:p>
             <a:r>
               <a:rPr lang="en-US"/>
-              <a:t>https://github.com/kwchurch/CIKM_2023_tutorial</a:t>
+              <a:t>https://github.com/kwchurch/WSDM_2024_tutorial</a:t>
             </a:r>
           </a:p>
         </p:txBody>
@@ -4097,7 +4097,7 @@
           <a:p>
             <a:r>
               <a:rPr lang="en-US"/>
-              <a:t>https://github.com/kwchurch/CIKM_2023_tutorial</a:t>
+              <a:t>https://github.com/kwchurch/WSDM_2024_tutorial</a:t>
             </a:r>
           </a:p>
         </p:txBody>
@@ -4242,6 +4242,34 @@
           </a:p>
         </p:txBody>
       </p:sp>
+      <p:sp>
+        <p:nvSpPr>
+          <p:cNvPr id="4" name="Footer Placeholder 3">
+            <a:extLst>
+              <a:ext uri="{FF2B5EF4-FFF2-40B4-BE49-F238E27FC236}">
+                <a16:creationId xmlns:a16="http://schemas.microsoft.com/office/drawing/2014/main" id="{8E64D647-61E0-7F52-3B76-4E1601D9E863}"/>
+              </a:ext>
+            </a:extLst>
+          </p:cNvPr>
+          <p:cNvSpPr>
+            <a:spLocks noGrp="1"/>
+          </p:cNvSpPr>
+          <p:nvPr>
+            <p:ph type="ftr" sz="quarter" idx="11"/>
+          </p:nvPr>
+        </p:nvSpPr>
+        <p:spPr/>
+        <p:txBody>
+          <a:bodyPr/>
+          <a:lstStyle/>
+          <a:p>
+            <a:r>
+              <a:rPr lang="en-US"/>
+              <a:t>https://github.com/kwchurch/WSDM_2024_tutorial</a:t>
+            </a:r>
+          </a:p>
+        </p:txBody>
+      </p:sp>
     </p:spTree>
     <p:extLst>
       <p:ext uri="{BB962C8B-B14F-4D97-AF65-F5344CB8AC3E}">
@@ -4381,6 +4409,34 @@
           </a:p>
         </p:txBody>
       </p:sp>
+      <p:sp>
+        <p:nvSpPr>
+          <p:cNvPr id="4" name="Footer Placeholder 3">
+            <a:extLst>
+              <a:ext uri="{FF2B5EF4-FFF2-40B4-BE49-F238E27FC236}">
+                <a16:creationId xmlns:a16="http://schemas.microsoft.com/office/drawing/2014/main" id="{3454C241-B030-41C0-00AC-3B80E0EC1A9A}"/>
+              </a:ext>
+            </a:extLst>
+          </p:cNvPr>
+          <p:cNvSpPr>
+            <a:spLocks noGrp="1"/>
+          </p:cNvSpPr>
+          <p:nvPr>
+            <p:ph type="ftr" sz="quarter" idx="11"/>
+          </p:nvPr>
+        </p:nvSpPr>
+        <p:spPr/>
+        <p:txBody>
+          <a:bodyPr/>
+          <a:lstStyle/>
+          <a:p>
+            <a:r>
+              <a:rPr lang="en-US"/>
+              <a:t>https://github.com/kwchurch/WSDM_2024_tutorial</a:t>
+            </a:r>
+          </a:p>
+        </p:txBody>
+      </p:sp>
     </p:spTree>
     <p:extLst>
       <p:ext uri="{BB962C8B-B14F-4D97-AF65-F5344CB8AC3E}">
@@ -4532,6 +4588,34 @@
           </a:prstGeom>
         </p:spPr>
       </p:pic>
+      <p:sp>
+        <p:nvSpPr>
+          <p:cNvPr id="4" name="Footer Placeholder 3">
+            <a:extLst>
+              <a:ext uri="{FF2B5EF4-FFF2-40B4-BE49-F238E27FC236}">
+                <a16:creationId xmlns:a16="http://schemas.microsoft.com/office/drawing/2014/main" id="{1A2CDD85-2AD9-3679-6BE5-619746B6B29C}"/>
+              </a:ext>
+            </a:extLst>
+          </p:cNvPr>
+          <p:cNvSpPr>
+            <a:spLocks noGrp="1"/>
+          </p:cNvSpPr>
+          <p:nvPr>
+            <p:ph type="ftr" sz="quarter" idx="11"/>
+          </p:nvPr>
+        </p:nvSpPr>
+        <p:spPr/>
+        <p:txBody>
+          <a:bodyPr/>
+          <a:lstStyle/>
+          <a:p>
+            <a:r>
+              <a:rPr lang="en-US"/>
+              <a:t>https://github.com/kwchurch/WSDM_2024_tutorial</a:t>
+            </a:r>
+          </a:p>
+        </p:txBody>
+      </p:sp>
     </p:spTree>
     <p:extLst>
       <p:ext uri="{BB962C8B-B14F-4D97-AF65-F5344CB8AC3E}">
@@ -4901,7 +4985,7 @@
           <a:p>
             <a:r>
               <a:rPr lang="en-US"/>
-              <a:t>https://github.com/kwchurch/CIKM_2023_tutorial</a:t>
+              <a:t>https://github.com/kwchurch/WSDM_2024_tutorial</a:t>
             </a:r>
           </a:p>
         </p:txBody>
